--- a/doc/Лабораторная работа №1 Разработка концепции проекта.pptx
+++ b/doc/Лабораторная работа №1 Разработка концепции проекта.pptx
@@ -109,6 +109,11 @@
       </a:defRPr>
     </a:lvl9pPr>
   </p:defaultTextStyle>
+  <p:extLst>
+    <p:ext uri="{EFAFB233-063F-42B5-8137-9DF3F51BA10A}">
+      <p15:sldGuideLst xmlns:p15="http://schemas.microsoft.com/office/powerpoint/2012/main"/>
+    </p:ext>
+  </p:extLst>
 </p:presentation>
 </file>
 
@@ -297,7 +302,7 @@
           <a:p>
             <a:fld id="{F3BD94C6-F9A6-43A4-9B4A-C92A99034963}" type="datetimeFigureOut">
               <a:rPr lang="ru-RU" smtClean="0"/>
-              <a:t>16.11.2024</a:t>
+              <a:t>08.12.2024</a:t>
             </a:fld>
             <a:endParaRPr lang="ru-RU"/>
           </a:p>
@@ -595,7 +600,7 @@
           <a:p>
             <a:fld id="{F3BD94C6-F9A6-43A4-9B4A-C92A99034963}" type="datetimeFigureOut">
               <a:rPr lang="ru-RU" smtClean="0"/>
-              <a:t>16.11.2024</a:t>
+              <a:t>08.12.2024</a:t>
             </a:fld>
             <a:endParaRPr lang="ru-RU"/>
           </a:p>
@@ -787,7 +792,7 @@
           <a:p>
             <a:fld id="{F3BD94C6-F9A6-43A4-9B4A-C92A99034963}" type="datetimeFigureOut">
               <a:rPr lang="ru-RU" smtClean="0"/>
-              <a:t>16.11.2024</a:t>
+              <a:t>08.12.2024</a:t>
             </a:fld>
             <a:endParaRPr lang="ru-RU"/>
           </a:p>
@@ -1048,7 +1053,7 @@
           <a:p>
             <a:fld id="{F3BD94C6-F9A6-43A4-9B4A-C92A99034963}" type="datetimeFigureOut">
               <a:rPr lang="ru-RU" smtClean="0"/>
-              <a:t>16.11.2024</a:t>
+              <a:t>08.12.2024</a:t>
             </a:fld>
             <a:endParaRPr lang="ru-RU"/>
           </a:p>
@@ -1472,7 +1477,7 @@
           <a:p>
             <a:fld id="{F3BD94C6-F9A6-43A4-9B4A-C92A99034963}" type="datetimeFigureOut">
               <a:rPr lang="ru-RU" smtClean="0"/>
-              <a:t>16.11.2024</a:t>
+              <a:t>08.12.2024</a:t>
             </a:fld>
             <a:endParaRPr lang="ru-RU"/>
           </a:p>
@@ -2009,7 +2014,7 @@
           <a:p>
             <a:fld id="{F3BD94C6-F9A6-43A4-9B4A-C92A99034963}" type="datetimeFigureOut">
               <a:rPr lang="ru-RU" smtClean="0"/>
-              <a:t>16.11.2024</a:t>
+              <a:t>08.12.2024</a:t>
             </a:fld>
             <a:endParaRPr lang="ru-RU"/>
           </a:p>
@@ -2873,7 +2878,7 @@
           <a:p>
             <a:fld id="{F3BD94C6-F9A6-43A4-9B4A-C92A99034963}" type="datetimeFigureOut">
               <a:rPr lang="ru-RU" smtClean="0"/>
-              <a:t>16.11.2024</a:t>
+              <a:t>08.12.2024</a:t>
             </a:fld>
             <a:endParaRPr lang="ru-RU"/>
           </a:p>
@@ -3043,7 +3048,7 @@
           <a:p>
             <a:fld id="{F3BD94C6-F9A6-43A4-9B4A-C92A99034963}" type="datetimeFigureOut">
               <a:rPr lang="ru-RU" smtClean="0"/>
-              <a:t>16.11.2024</a:t>
+              <a:t>08.12.2024</a:t>
             </a:fld>
             <a:endParaRPr lang="ru-RU"/>
           </a:p>
@@ -3227,7 +3232,7 @@
           <a:p>
             <a:fld id="{F3BD94C6-F9A6-43A4-9B4A-C92A99034963}" type="datetimeFigureOut">
               <a:rPr lang="ru-RU" smtClean="0"/>
-              <a:t>16.11.2024</a:t>
+              <a:t>08.12.2024</a:t>
             </a:fld>
             <a:endParaRPr lang="ru-RU"/>
           </a:p>
@@ -3397,7 +3402,7 @@
           <a:p>
             <a:fld id="{F3BD94C6-F9A6-43A4-9B4A-C92A99034963}" type="datetimeFigureOut">
               <a:rPr lang="ru-RU" smtClean="0"/>
-              <a:t>16.11.2024</a:t>
+              <a:t>08.12.2024</a:t>
             </a:fld>
             <a:endParaRPr lang="ru-RU"/>
           </a:p>
@@ -3641,7 +3646,7 @@
           <a:p>
             <a:fld id="{F3BD94C6-F9A6-43A4-9B4A-C92A99034963}" type="datetimeFigureOut">
               <a:rPr lang="ru-RU" smtClean="0"/>
-              <a:t>16.11.2024</a:t>
+              <a:t>08.12.2024</a:t>
             </a:fld>
             <a:endParaRPr lang="ru-RU"/>
           </a:p>
@@ -3877,7 +3882,7 @@
           <a:p>
             <a:fld id="{F3BD94C6-F9A6-43A4-9B4A-C92A99034963}" type="datetimeFigureOut">
               <a:rPr lang="ru-RU" smtClean="0"/>
-              <a:t>16.11.2024</a:t>
+              <a:t>08.12.2024</a:t>
             </a:fld>
             <a:endParaRPr lang="ru-RU"/>
           </a:p>
@@ -4343,7 +4348,7 @@
           <a:p>
             <a:fld id="{F3BD94C6-F9A6-43A4-9B4A-C92A99034963}" type="datetimeFigureOut">
               <a:rPr lang="ru-RU" smtClean="0"/>
-              <a:t>16.11.2024</a:t>
+              <a:t>08.12.2024</a:t>
             </a:fld>
             <a:endParaRPr lang="ru-RU"/>
           </a:p>
@@ -4461,7 +4466,7 @@
           <a:p>
             <a:fld id="{F3BD94C6-F9A6-43A4-9B4A-C92A99034963}" type="datetimeFigureOut">
               <a:rPr lang="ru-RU" smtClean="0"/>
-              <a:t>16.11.2024</a:t>
+              <a:t>08.12.2024</a:t>
             </a:fld>
             <a:endParaRPr lang="ru-RU"/>
           </a:p>
@@ -4556,7 +4561,7 @@
           <a:p>
             <a:fld id="{F3BD94C6-F9A6-43A4-9B4A-C92A99034963}" type="datetimeFigureOut">
               <a:rPr lang="ru-RU" smtClean="0"/>
-              <a:t>16.11.2024</a:t>
+              <a:t>08.12.2024</a:t>
             </a:fld>
             <a:endParaRPr lang="ru-RU"/>
           </a:p>
@@ -4811,7 +4816,7 @@
           <a:p>
             <a:fld id="{F3BD94C6-F9A6-43A4-9B4A-C92A99034963}" type="datetimeFigureOut">
               <a:rPr lang="ru-RU" smtClean="0"/>
-              <a:t>16.11.2024</a:t>
+              <a:t>08.12.2024</a:t>
             </a:fld>
             <a:endParaRPr lang="ru-RU"/>
           </a:p>
@@ -5111,7 +5116,7 @@
           <a:p>
             <a:fld id="{F3BD94C6-F9A6-43A4-9B4A-C92A99034963}" type="datetimeFigureOut">
               <a:rPr lang="ru-RU" smtClean="0"/>
-              <a:t>16.11.2024</a:t>
+              <a:t>08.12.2024</a:t>
             </a:fld>
             <a:endParaRPr lang="ru-RU"/>
           </a:p>
@@ -5345,7 +5350,7 @@
           <a:p>
             <a:fld id="{F3BD94C6-F9A6-43A4-9B4A-C92A99034963}" type="datetimeFigureOut">
               <a:rPr lang="ru-RU" smtClean="0"/>
-              <a:t>16.11.2024</a:t>
+              <a:t>08.12.2024</a:t>
             </a:fld>
             <a:endParaRPr lang="ru-RU"/>
           </a:p>
